--- a/ppt/gateway_iotBox.pptx
+++ b/ppt/gateway_iotBox.pptx
@@ -6,12 +6,15 @@
   </p:sldMasterIdLst>
   <p:sldIdLst>
     <p:sldId id="256" r:id="rId2"/>
-    <p:sldId id="257" r:id="rId3"/>
-    <p:sldId id="258" r:id="rId4"/>
-    <p:sldId id="259" r:id="rId5"/>
-    <p:sldId id="260" r:id="rId6"/>
-    <p:sldId id="261" r:id="rId7"/>
-    <p:sldId id="262" r:id="rId8"/>
+    <p:sldId id="262" r:id="rId3"/>
+    <p:sldId id="263" r:id="rId4"/>
+    <p:sldId id="264" r:id="rId5"/>
+    <p:sldId id="265" r:id="rId6"/>
+    <p:sldId id="266" r:id="rId7"/>
+    <p:sldId id="267" r:id="rId8"/>
+    <p:sldId id="268" r:id="rId9"/>
+    <p:sldId id="269" r:id="rId10"/>
+    <p:sldId id="270" r:id="rId11"/>
   </p:sldIdLst>
   <p:sldSz cx="9144000" cy="6858000" type="screen4x3"/>
   <p:notesSz cx="6858000" cy="9144000"/>
@@ -295,7 +298,7 @@
             <a:fld id="{530820CF-B880-4189-942D-D702A7CBA730}" type="datetimeFigureOut">
               <a:rPr lang="zh-CN" altLang="en-US" smtClean="0"/>
               <a:pPr/>
-              <a:t>2021/2/23</a:t>
+              <a:t>2021/3/10</a:t>
             </a:fld>
             <a:endParaRPr lang="zh-CN" altLang="en-US"/>
           </a:p>
@@ -462,7 +465,7 @@
             <a:fld id="{530820CF-B880-4189-942D-D702A7CBA730}" type="datetimeFigureOut">
               <a:rPr lang="zh-CN" altLang="en-US" smtClean="0"/>
               <a:pPr/>
-              <a:t>2021/2/23</a:t>
+              <a:t>2021/3/10</a:t>
             </a:fld>
             <a:endParaRPr lang="zh-CN" altLang="en-US"/>
           </a:p>
@@ -639,7 +642,7 @@
             <a:fld id="{530820CF-B880-4189-942D-D702A7CBA730}" type="datetimeFigureOut">
               <a:rPr lang="zh-CN" altLang="en-US" smtClean="0"/>
               <a:pPr/>
-              <a:t>2021/2/23</a:t>
+              <a:t>2021/3/10</a:t>
             </a:fld>
             <a:endParaRPr lang="zh-CN" altLang="en-US"/>
           </a:p>
@@ -806,7 +809,7 @@
             <a:fld id="{530820CF-B880-4189-942D-D702A7CBA730}" type="datetimeFigureOut">
               <a:rPr lang="zh-CN" altLang="en-US" smtClean="0"/>
               <a:pPr/>
-              <a:t>2021/2/23</a:t>
+              <a:t>2021/3/10</a:t>
             </a:fld>
             <a:endParaRPr lang="zh-CN" altLang="en-US"/>
           </a:p>
@@ -1049,7 +1052,7 @@
             <a:fld id="{530820CF-B880-4189-942D-D702A7CBA730}" type="datetimeFigureOut">
               <a:rPr lang="zh-CN" altLang="en-US" smtClean="0"/>
               <a:pPr/>
-              <a:t>2021/2/23</a:t>
+              <a:t>2021/3/10</a:t>
             </a:fld>
             <a:endParaRPr lang="zh-CN" altLang="en-US"/>
           </a:p>
@@ -1334,7 +1337,7 @@
             <a:fld id="{530820CF-B880-4189-942D-D702A7CBA730}" type="datetimeFigureOut">
               <a:rPr lang="zh-CN" altLang="en-US" smtClean="0"/>
               <a:pPr/>
-              <a:t>2021/2/23</a:t>
+              <a:t>2021/3/10</a:t>
             </a:fld>
             <a:endParaRPr lang="zh-CN" altLang="en-US"/>
           </a:p>
@@ -1753,7 +1756,7 @@
             <a:fld id="{530820CF-B880-4189-942D-D702A7CBA730}" type="datetimeFigureOut">
               <a:rPr lang="zh-CN" altLang="en-US" smtClean="0"/>
               <a:pPr/>
-              <a:t>2021/2/23</a:t>
+              <a:t>2021/3/10</a:t>
             </a:fld>
             <a:endParaRPr lang="zh-CN" altLang="en-US"/>
           </a:p>
@@ -1868,7 +1871,7 @@
             <a:fld id="{530820CF-B880-4189-942D-D702A7CBA730}" type="datetimeFigureOut">
               <a:rPr lang="zh-CN" altLang="en-US" smtClean="0"/>
               <a:pPr/>
-              <a:t>2021/2/23</a:t>
+              <a:t>2021/3/10</a:t>
             </a:fld>
             <a:endParaRPr lang="zh-CN" altLang="en-US"/>
           </a:p>
@@ -1960,7 +1963,7 @@
             <a:fld id="{530820CF-B880-4189-942D-D702A7CBA730}" type="datetimeFigureOut">
               <a:rPr lang="zh-CN" altLang="en-US" smtClean="0"/>
               <a:pPr/>
-              <a:t>2021/2/23</a:t>
+              <a:t>2021/3/10</a:t>
             </a:fld>
             <a:endParaRPr lang="zh-CN" altLang="en-US"/>
           </a:p>
@@ -2234,7 +2237,7 @@
             <a:fld id="{530820CF-B880-4189-942D-D702A7CBA730}" type="datetimeFigureOut">
               <a:rPr lang="zh-CN" altLang="en-US" smtClean="0"/>
               <a:pPr/>
-              <a:t>2021/2/23</a:t>
+              <a:t>2021/3/10</a:t>
             </a:fld>
             <a:endParaRPr lang="zh-CN" altLang="en-US"/>
           </a:p>
@@ -2488,7 +2491,7 @@
             <a:fld id="{530820CF-B880-4189-942D-D702A7CBA730}" type="datetimeFigureOut">
               <a:rPr lang="zh-CN" altLang="en-US" smtClean="0"/>
               <a:pPr/>
-              <a:t>2021/2/23</a:t>
+              <a:t>2021/3/10</a:t>
             </a:fld>
             <a:endParaRPr lang="zh-CN" altLang="en-US"/>
           </a:p>
@@ -2698,7 +2701,7 @@
             <a:fld id="{530820CF-B880-4189-942D-D702A7CBA730}" type="datetimeFigureOut">
               <a:rPr lang="zh-CN" altLang="en-US" smtClean="0"/>
               <a:pPr/>
-              <a:t>2021/2/23</a:t>
+              <a:t>2021/3/10</a:t>
             </a:fld>
             <a:endParaRPr lang="zh-CN" altLang="en-US"/>
           </a:p>
@@ -3186,6 +3189,69 @@
 </p:sld>
 </file>
 
+<file path=ppt/slides/slide10.xml><?xml version="1.0" encoding="utf-8"?>
+<p:sld xmlns:a="http://schemas.openxmlformats.org/drawingml/2006/main" xmlns:r="http://schemas.openxmlformats.org/officeDocument/2006/relationships" xmlns:p="http://schemas.openxmlformats.org/presentationml/2006/main">
+  <p:cSld>
+    <p:spTree>
+      <p:nvGrpSpPr>
+        <p:cNvPr id="1" name=""/>
+        <p:cNvGrpSpPr/>
+        <p:nvPr/>
+      </p:nvGrpSpPr>
+      <p:grpSpPr>
+        <a:xfrm>
+          <a:off x="0" y="0"/>
+          <a:ext cx="0" cy="0"/>
+          <a:chOff x="0" y="0"/>
+          <a:chExt cx="0" cy="0"/>
+        </a:xfrm>
+      </p:grpSpPr>
+      <p:sp>
+        <p:nvSpPr>
+          <p:cNvPr id="2" name="标题 1"/>
+          <p:cNvSpPr>
+            <a:spLocks noGrp="1"/>
+          </p:cNvSpPr>
+          <p:nvPr>
+            <p:ph type="title"/>
+          </p:nvPr>
+        </p:nvSpPr>
+        <p:spPr/>
+        <p:txBody>
+          <a:bodyPr/>
+          <a:lstStyle/>
+          <a:p>
+            <a:endParaRPr lang="zh-CN" altLang="en-US" dirty="0"/>
+          </a:p>
+        </p:txBody>
+      </p:sp>
+      <p:sp>
+        <p:nvSpPr>
+          <p:cNvPr id="3" name="内容占位符 2"/>
+          <p:cNvSpPr>
+            <a:spLocks noGrp="1"/>
+          </p:cNvSpPr>
+          <p:nvPr>
+            <p:ph idx="1"/>
+          </p:nvPr>
+        </p:nvSpPr>
+        <p:spPr/>
+        <p:txBody>
+          <a:bodyPr/>
+          <a:lstStyle/>
+          <a:p>
+            <a:endParaRPr lang="zh-CN" altLang="en-US" dirty="0"/>
+          </a:p>
+        </p:txBody>
+      </p:sp>
+    </p:spTree>
+  </p:cSld>
+  <p:clrMapOvr>
+    <a:masterClrMapping/>
+  </p:clrMapOvr>
+</p:sld>
+</file>
+
 <file path=ppt/slides/slide2.xml><?xml version="1.0" encoding="utf-8"?>
 <p:sld xmlns:a="http://schemas.openxmlformats.org/drawingml/2006/main" xmlns:r="http://schemas.openxmlformats.org/officeDocument/2006/relationships" xmlns:p="http://schemas.openxmlformats.org/presentationml/2006/main">
   <p:cSld>
@@ -3218,10 +3284,6 @@
           <a:bodyPr/>
           <a:lstStyle/>
           <a:p>
-            <a:r>
-              <a:rPr lang="en-US" altLang="zh-CN" dirty="0" smtClean="0"/>
-              <a:t>Hardware Independent </a:t>
-            </a:r>
             <a:endParaRPr lang="zh-CN" altLang="en-US" dirty="0"/>
           </a:p>
         </p:txBody>
@@ -3240,37 +3302,6 @@
         <p:txBody>
           <a:bodyPr/>
           <a:lstStyle/>
-          <a:p>
-            <a:r>
-              <a:rPr lang="zh-CN" altLang="en-US" dirty="0" smtClean="0"/>
-              <a:t>暂无硬件价格约束，因而对于系统平台无约束，任意： </a:t>
-            </a:r>
-            <a:r>
-              <a:rPr lang="en-US" altLang="zh-CN" dirty="0" smtClean="0"/>
-              <a:t>(Windows, Linux Distribution)</a:t>
-            </a:r>
-          </a:p>
-          <a:p>
-            <a:endParaRPr lang="en-US" altLang="zh-CN" dirty="0"/>
-          </a:p>
-          <a:p>
-            <a:r>
-              <a:rPr lang="zh-CN" altLang="en-US" dirty="0" smtClean="0"/>
-              <a:t>问题可以简化形式，开发上位机采集数据并进行相应转发（类似</a:t>
-            </a:r>
-            <a:r>
-              <a:rPr lang="en-US" altLang="zh-CN" dirty="0" err="1" smtClean="0"/>
-              <a:t>KEPServer</a:t>
-            </a:r>
-            <a:r>
-              <a:rPr lang="zh-CN" altLang="en-US" dirty="0" smtClean="0"/>
-              <a:t>软件</a:t>
-            </a:r>
-            <a:r>
-              <a:rPr lang="en-US" altLang="zh-CN" dirty="0" smtClean="0"/>
-              <a:t>)</a:t>
-            </a:r>
-          </a:p>
           <a:p>
             <a:endParaRPr lang="zh-CN" altLang="en-US" dirty="0"/>
           </a:p>
@@ -3316,10 +3347,6 @@
           <a:bodyPr/>
           <a:lstStyle/>
           <a:p>
-            <a:r>
-              <a:rPr lang="en-US" altLang="zh-CN" dirty="0" smtClean="0"/>
-              <a:t>Key Issue</a:t>
-            </a:r>
             <a:endParaRPr lang="zh-CN" altLang="en-US" dirty="0"/>
           </a:p>
         </p:txBody>
@@ -3339,77 +3366,10 @@
           <a:bodyPr/>
           <a:lstStyle/>
           <a:p>
-            <a:endParaRPr lang="en-US" altLang="zh-CN" dirty="0" smtClean="0"/>
-          </a:p>
-          <a:p>
-            <a:endParaRPr lang="en-US" altLang="zh-CN" dirty="0"/>
-          </a:p>
-          <a:p>
-            <a:endParaRPr lang="en-US" altLang="zh-CN" dirty="0" smtClean="0"/>
-          </a:p>
-          <a:p>
-            <a:endParaRPr lang="en-US" altLang="zh-CN" dirty="0"/>
-          </a:p>
-          <a:p>
-            <a:r>
-              <a:rPr lang="en-US" altLang="zh-CN" dirty="0" smtClean="0"/>
-              <a:t>C#  JAVA  Python</a:t>
-            </a:r>
-            <a:r>
-              <a:rPr lang="zh-CN" altLang="en-US" dirty="0" smtClean="0"/>
-              <a:t>均可以做开发语言</a:t>
-            </a:r>
-            <a:endParaRPr lang="en-US" altLang="zh-CN" dirty="0" smtClean="0"/>
-          </a:p>
-          <a:p>
-            <a:r>
-              <a:rPr lang="en-US" altLang="zh-CN" dirty="0" smtClean="0"/>
-              <a:t>Windows + .NET Framework</a:t>
-            </a:r>
-            <a:r>
-              <a:rPr lang="zh-CN" altLang="en-US" dirty="0"/>
-              <a:t>上位</a:t>
-            </a:r>
-            <a:r>
-              <a:rPr lang="zh-CN" altLang="en-US" dirty="0" smtClean="0"/>
-              <a:t>机开发更多一些</a:t>
-            </a:r>
             <a:endParaRPr lang="zh-CN" altLang="en-US" dirty="0"/>
           </a:p>
         </p:txBody>
       </p:sp>
-      <p:pic>
-        <p:nvPicPr>
-          <p:cNvPr id="1027" name="Picture 3"/>
-          <p:cNvPicPr>
-            <a:picLocks noChangeAspect="1" noChangeArrowheads="1"/>
-          </p:cNvPicPr>
-          <p:nvPr/>
-        </p:nvPicPr>
-        <p:blipFill>
-          <a:blip r:embed="rId2" cstate="print"/>
-          <a:srcRect/>
-          <a:stretch>
-            <a:fillRect/>
-          </a:stretch>
-        </p:blipFill>
-        <p:spPr bwMode="auto">
-          <a:xfrm>
-            <a:off x="251520" y="1772816"/>
-            <a:ext cx="8687362" cy="1872208"/>
-          </a:xfrm>
-          <a:prstGeom prst="rect">
-            <a:avLst/>
-          </a:prstGeom>
-          <a:noFill/>
-          <a:ln w="9525">
-            <a:noFill/>
-            <a:miter lim="800000"/>
-            <a:headEnd/>
-            <a:tailEnd/>
-          </a:ln>
-        </p:spPr>
-      </p:pic>
     </p:spTree>
   </p:cSld>
   <p:clrMapOvr>
@@ -3450,10 +3410,6 @@
           <a:bodyPr/>
           <a:lstStyle/>
           <a:p>
-            <a:r>
-              <a:rPr lang="en-US" altLang="zh-CN" dirty="0" smtClean="0"/>
-              <a:t>Key Issue</a:t>
-            </a:r>
             <a:endParaRPr lang="zh-CN" altLang="en-US" dirty="0"/>
           </a:p>
         </p:txBody>
@@ -3470,105 +3426,10 @@
         </p:nvSpPr>
         <p:spPr/>
         <p:txBody>
-          <a:bodyPr>
-            <a:normAutofit/>
-          </a:bodyPr>
-          <a:lstStyle/>
-          <a:p>
-            <a:endParaRPr lang="en-US" altLang="zh-CN" dirty="0" smtClean="0"/>
-          </a:p>
-          <a:p>
-            <a:endParaRPr lang="en-US" altLang="zh-CN" dirty="0"/>
-          </a:p>
-          <a:p>
-            <a:endParaRPr lang="en-US" altLang="zh-CN" dirty="0" smtClean="0"/>
-          </a:p>
-          <a:p>
-            <a:endParaRPr lang="en-US" altLang="zh-CN" dirty="0"/>
-          </a:p>
-          <a:p>
-            <a:endParaRPr lang="en-US" altLang="zh-CN" dirty="0" smtClean="0"/>
-          </a:p>
+          <a:bodyPr/>
+          <a:lstStyle/>
           <a:p>
             <a:endParaRPr lang="zh-CN" altLang="en-US" dirty="0"/>
-          </a:p>
-        </p:txBody>
-      </p:sp>
-      <p:pic>
-        <p:nvPicPr>
-          <p:cNvPr id="2050" name="Picture 2"/>
-          <p:cNvPicPr>
-            <a:picLocks noChangeAspect="1" noChangeArrowheads="1"/>
-          </p:cNvPicPr>
-          <p:nvPr/>
-        </p:nvPicPr>
-        <p:blipFill>
-          <a:blip r:embed="rId2" cstate="print"/>
-          <a:srcRect/>
-          <a:stretch>
-            <a:fillRect/>
-          </a:stretch>
-        </p:blipFill>
-        <p:spPr bwMode="auto">
-          <a:xfrm>
-            <a:off x="755576" y="1556792"/>
-            <a:ext cx="7700620" cy="2592288"/>
-          </a:xfrm>
-          <a:prstGeom prst="rect">
-            <a:avLst/>
-          </a:prstGeom>
-          <a:noFill/>
-          <a:ln w="9525">
-            <a:noFill/>
-            <a:miter lim="800000"/>
-            <a:headEnd/>
-            <a:tailEnd/>
-          </a:ln>
-        </p:spPr>
-      </p:pic>
-      <p:sp>
-        <p:nvSpPr>
-          <p:cNvPr id="5" name="TextBox 4"/>
-          <p:cNvSpPr txBox="1"/>
-          <p:nvPr/>
-        </p:nvSpPr>
-        <p:spPr>
-          <a:xfrm>
-            <a:off x="755576" y="4365104"/>
-            <a:ext cx="7200800" cy="1938992"/>
-          </a:xfrm>
-          <a:prstGeom prst="rect">
-            <a:avLst/>
-          </a:prstGeom>
-          <a:noFill/>
-        </p:spPr>
-        <p:txBody>
-          <a:bodyPr wrap="square" rtlCol="0">
-            <a:spAutoFit/>
-          </a:bodyPr>
-          <a:lstStyle/>
-          <a:p>
-            <a:r>
-              <a:rPr lang="en-US" altLang="zh-CN" sz="2400" dirty="0" smtClean="0"/>
-              <a:t>Key Issue: </a:t>
-            </a:r>
-          </a:p>
-          <a:p>
-            <a:r>
-              <a:rPr lang="zh-CN" altLang="en-US" sz="2400" dirty="0" smtClean="0"/>
-              <a:t>工业互联网杂乱的工业通信协议开发</a:t>
-            </a:r>
-            <a:endParaRPr lang="en-US" altLang="zh-CN" sz="2400" dirty="0" smtClean="0"/>
-          </a:p>
-          <a:p>
-            <a:endParaRPr lang="en-US" altLang="zh-CN" sz="2400" dirty="0" smtClean="0"/>
-          </a:p>
-          <a:p>
-            <a:r>
-              <a:rPr lang="zh-CN" altLang="en-US" sz="2400" dirty="0" smtClean="0"/>
-              <a:t>鉴于公司目前的人力物力，只有采取第三方形式（破解，购买）再进行迭代完善和补充</a:t>
-            </a:r>
-            <a:endParaRPr lang="en-US" altLang="zh-CN" sz="2400" dirty="0" smtClean="0"/>
           </a:p>
         </p:txBody>
       </p:sp>
@@ -3612,10 +3473,6 @@
           <a:bodyPr/>
           <a:lstStyle/>
           <a:p>
-            <a:r>
-              <a:rPr lang="en-US" altLang="zh-CN" dirty="0" smtClean="0"/>
-              <a:t>PLC Recorder</a:t>
-            </a:r>
             <a:endParaRPr lang="zh-CN" altLang="en-US" dirty="0"/>
           </a:p>
         </p:txBody>
@@ -3630,106 +3487,15 @@
             <p:ph idx="1"/>
           </p:nvPr>
         </p:nvSpPr>
-        <p:spPr>
-          <a:xfrm>
-            <a:off x="5004048" y="1628800"/>
-            <a:ext cx="3898776" cy="4525963"/>
-          </a:xfrm>
-        </p:spPr>
-        <p:txBody>
-          <a:bodyPr/>
-          <a:lstStyle/>
-          <a:p>
-            <a:r>
-              <a:rPr lang="zh-CN" altLang="en-US" dirty="0" smtClean="0"/>
-              <a:t>国人开发的</a:t>
-            </a:r>
-            <a:r>
-              <a:rPr lang="en-US" altLang="zh-CN" dirty="0" smtClean="0"/>
-              <a:t>PLC</a:t>
-            </a:r>
-            <a:r>
-              <a:rPr lang="zh-CN" altLang="en-US" dirty="0" smtClean="0"/>
-              <a:t>分析工具</a:t>
-            </a:r>
-            <a:endParaRPr lang="en-US" altLang="zh-CN" dirty="0" smtClean="0"/>
-          </a:p>
-          <a:p>
-            <a:endParaRPr lang="en-US" altLang="zh-CN" dirty="0"/>
-          </a:p>
-          <a:p>
-            <a:r>
-              <a:rPr lang="zh-CN" altLang="en-US" dirty="0" smtClean="0"/>
-              <a:t>我们进行</a:t>
-            </a:r>
-            <a:r>
-              <a:rPr lang="en-US" altLang="zh-CN" dirty="0" smtClean="0"/>
-              <a:t>Decompile</a:t>
-            </a:r>
-            <a:r>
-              <a:rPr lang="zh-CN" altLang="en-US" dirty="0" smtClean="0"/>
-              <a:t>工作，获取了</a:t>
-            </a:r>
-            <a:r>
-              <a:rPr lang="en-US" altLang="zh-CN" dirty="0" smtClean="0"/>
-              <a:t>.Net</a:t>
-            </a:r>
-            <a:r>
-              <a:rPr lang="zh-CN" altLang="en-US" dirty="0" smtClean="0"/>
-              <a:t>版本</a:t>
-            </a:r>
-            <a:r>
-              <a:rPr lang="en-US" altLang="zh-CN" dirty="0" smtClean="0"/>
-              <a:t>PLC</a:t>
-            </a:r>
-            <a:r>
-              <a:rPr lang="zh-CN" altLang="en-US" dirty="0" smtClean="0"/>
-              <a:t>协议支持市</a:t>
-            </a:r>
-            <a:r>
-              <a:rPr lang="zh-CN" altLang="en-US" dirty="0" smtClean="0"/>
-              <a:t>面</a:t>
-            </a:r>
-            <a:r>
-              <a:rPr lang="en-US" altLang="zh-CN" smtClean="0"/>
-              <a:t>80%</a:t>
-            </a:r>
+        <p:spPr/>
+        <p:txBody>
+          <a:bodyPr/>
+          <a:lstStyle/>
+          <a:p>
             <a:endParaRPr lang="zh-CN" altLang="en-US" dirty="0"/>
           </a:p>
         </p:txBody>
       </p:sp>
-      <p:pic>
-        <p:nvPicPr>
-          <p:cNvPr id="3075" name="Picture 3"/>
-          <p:cNvPicPr>
-            <a:picLocks noChangeAspect="1" noChangeArrowheads="1"/>
-          </p:cNvPicPr>
-          <p:nvPr/>
-        </p:nvPicPr>
-        <p:blipFill>
-          <a:blip r:embed="rId2" cstate="print"/>
-          <a:srcRect/>
-          <a:stretch>
-            <a:fillRect/>
-          </a:stretch>
-        </p:blipFill>
-        <p:spPr bwMode="auto">
-          <a:xfrm>
-            <a:off x="323528" y="1772816"/>
-            <a:ext cx="4286250" cy="2905125"/>
-          </a:xfrm>
-          <a:prstGeom prst="rect">
-            <a:avLst/>
-          </a:prstGeom>
-          <a:noFill/>
-          <a:ln w="9525">
-            <a:noFill/>
-            <a:miter lim="800000"/>
-            <a:headEnd/>
-            <a:tailEnd/>
-          </a:ln>
-        </p:spPr>
-      </p:pic>
     </p:spTree>
   </p:cSld>
   <p:clrMapOvr>
@@ -3770,10 +3536,6 @@
           <a:bodyPr/>
           <a:lstStyle/>
           <a:p>
-            <a:r>
-              <a:rPr lang="en-US" altLang="zh-CN" dirty="0" smtClean="0"/>
-              <a:t>Decompile</a:t>
-            </a:r>
             <a:endParaRPr lang="zh-CN" altLang="en-US" dirty="0"/>
           </a:p>
         </p:txBody>
@@ -3792,70 +3554,6 @@
         <p:txBody>
           <a:bodyPr/>
           <a:lstStyle/>
-          <a:p>
-            <a:r>
-              <a:rPr lang="zh-CN" altLang="en-US" dirty="0"/>
-              <a:t>逆向分析、研</a:t>
-            </a:r>
-            <a:r>
-              <a:rPr lang="zh-CN" altLang="en-US" dirty="0" smtClean="0"/>
-              <a:t>究工</a:t>
-            </a:r>
-            <a:r>
-              <a:rPr lang="zh-CN" altLang="en-US" dirty="0"/>
-              <a:t>作，以推导出他人的软件产品所使用</a:t>
-            </a:r>
-            <a:r>
-              <a:rPr lang="zh-CN" altLang="en-US" dirty="0" smtClean="0"/>
-              <a:t>的设</a:t>
-            </a:r>
-            <a:r>
-              <a:rPr lang="zh-CN" altLang="en-US" dirty="0"/>
-              <a:t>计要</a:t>
-            </a:r>
-            <a:r>
-              <a:rPr lang="zh-CN" altLang="en-US" dirty="0" smtClean="0"/>
-              <a:t>素</a:t>
-            </a:r>
-            <a:r>
-              <a:rPr lang="en-US" altLang="zh-CN" dirty="0" smtClean="0"/>
-              <a:t>,</a:t>
-            </a:r>
-            <a:r>
-              <a:rPr lang="zh-CN" altLang="en-US" dirty="0"/>
-              <a:t>某些特定情况下可能推导出源代</a:t>
-            </a:r>
-            <a:r>
-              <a:rPr lang="zh-CN" altLang="en-US" dirty="0" smtClean="0"/>
-              <a:t>码</a:t>
-            </a:r>
-            <a:endParaRPr lang="en-US" altLang="zh-CN" dirty="0" smtClean="0"/>
-          </a:p>
-          <a:p>
-            <a:endParaRPr lang="en-US" altLang="zh-CN" dirty="0"/>
-          </a:p>
-          <a:p>
-            <a:r>
-              <a:rPr lang="zh-CN" altLang="en-US" dirty="0"/>
-              <a:t>我</a:t>
-            </a:r>
-            <a:r>
-              <a:rPr lang="zh-CN" altLang="en-US" dirty="0" smtClean="0"/>
-              <a:t>们</a:t>
-            </a:r>
-            <a:r>
-              <a:rPr lang="en-US" altLang="zh-CN" dirty="0" smtClean="0"/>
-              <a:t>Decompile </a:t>
-            </a:r>
-            <a:r>
-              <a:rPr lang="zh-CN" altLang="en-US" dirty="0" smtClean="0"/>
-              <a:t>通信部分，学习借鉴通信协议部分</a:t>
-            </a:r>
-            <a:endParaRPr lang="en-US" altLang="zh-CN" dirty="0" smtClean="0"/>
-          </a:p>
-          <a:p>
-            <a:endParaRPr lang="en-US" altLang="zh-CN" dirty="0"/>
-          </a:p>
           <a:p>
             <a:endParaRPr lang="zh-CN" altLang="en-US" dirty="0"/>
           </a:p>
@@ -3901,10 +3599,6 @@
           <a:bodyPr/>
           <a:lstStyle/>
           <a:p>
-            <a:r>
-              <a:rPr lang="en-US" altLang="zh-CN" dirty="0" smtClean="0"/>
-              <a:t>Conclusion</a:t>
-            </a:r>
             <a:endParaRPr lang="zh-CN" altLang="en-US" dirty="0"/>
           </a:p>
         </p:txBody>
@@ -3924,60 +3618,132 @@
           <a:bodyPr/>
           <a:lstStyle/>
           <a:p>
-            <a:r>
-              <a:rPr lang="zh-CN" altLang="en-US" dirty="0"/>
-              <a:t>一</a:t>
-            </a:r>
-            <a:r>
-              <a:rPr lang="zh-CN" altLang="en-US" dirty="0" smtClean="0"/>
-              <a:t>种产品方案：</a:t>
-            </a:r>
-            <a:endParaRPr lang="en-US" altLang="zh-CN" dirty="0" smtClean="0"/>
-          </a:p>
-          <a:p>
-            <a:pPr>
-              <a:buNone/>
-            </a:pPr>
-            <a:r>
-              <a:rPr lang="zh-CN" altLang="en-US" dirty="0" smtClean="0"/>
-              <a:t>    硬件 </a:t>
-            </a:r>
-            <a:r>
-              <a:rPr lang="en-US" altLang="zh-CN" dirty="0" smtClean="0"/>
-              <a:t>/ </a:t>
-            </a:r>
-            <a:r>
-              <a:rPr lang="zh-CN" altLang="en-US" dirty="0" smtClean="0"/>
-              <a:t>平台无关的情况下，结合第三方（破解，购买</a:t>
-            </a:r>
-            <a:r>
-              <a:rPr lang="en-US" altLang="zh-CN" dirty="0" smtClean="0"/>
-              <a:t>) </a:t>
-            </a:r>
-            <a:r>
-              <a:rPr lang="zh-CN" altLang="en-US" dirty="0" smtClean="0"/>
-              <a:t>等形式迭代开发</a:t>
-            </a:r>
-            <a:r>
-              <a:rPr lang="zh-CN" altLang="en-US" dirty="0"/>
-              <a:t>类似</a:t>
-            </a:r>
-            <a:r>
-              <a:rPr lang="en-US" altLang="zh-CN" dirty="0" err="1" smtClean="0"/>
-              <a:t>KepServer</a:t>
-            </a:r>
-            <a:r>
-              <a:rPr lang="zh-CN" altLang="en-US" dirty="0" smtClean="0"/>
-              <a:t>的上位机软件，完善</a:t>
-            </a:r>
-            <a:r>
-              <a:rPr lang="zh-CN" altLang="en-US" dirty="0"/>
-              <a:t>为</a:t>
-            </a:r>
-            <a:r>
-              <a:rPr lang="zh-CN" altLang="en-US" dirty="0" smtClean="0"/>
-              <a:t>上电智联的自有平台服务企业数采业务</a:t>
-            </a:r>
+            <a:endParaRPr lang="zh-CN" altLang="en-US" dirty="0"/>
+          </a:p>
+        </p:txBody>
+      </p:sp>
+    </p:spTree>
+  </p:cSld>
+  <p:clrMapOvr>
+    <a:masterClrMapping/>
+  </p:clrMapOvr>
+</p:sld>
+</file>
+
+<file path=ppt/slides/slide8.xml><?xml version="1.0" encoding="utf-8"?>
+<p:sld xmlns:a="http://schemas.openxmlformats.org/drawingml/2006/main" xmlns:r="http://schemas.openxmlformats.org/officeDocument/2006/relationships" xmlns:p="http://schemas.openxmlformats.org/presentationml/2006/main">
+  <p:cSld>
+    <p:spTree>
+      <p:nvGrpSpPr>
+        <p:cNvPr id="1" name=""/>
+        <p:cNvGrpSpPr/>
+        <p:nvPr/>
+      </p:nvGrpSpPr>
+      <p:grpSpPr>
+        <a:xfrm>
+          <a:off x="0" y="0"/>
+          <a:ext cx="0" cy="0"/>
+          <a:chOff x="0" y="0"/>
+          <a:chExt cx="0" cy="0"/>
+        </a:xfrm>
+      </p:grpSpPr>
+      <p:sp>
+        <p:nvSpPr>
+          <p:cNvPr id="2" name="标题 1"/>
+          <p:cNvSpPr>
+            <a:spLocks noGrp="1"/>
+          </p:cNvSpPr>
+          <p:nvPr>
+            <p:ph type="title"/>
+          </p:nvPr>
+        </p:nvSpPr>
+        <p:spPr/>
+        <p:txBody>
+          <a:bodyPr/>
+          <a:lstStyle/>
+          <a:p>
+            <a:endParaRPr lang="zh-CN" altLang="en-US" dirty="0"/>
+          </a:p>
+        </p:txBody>
+      </p:sp>
+      <p:sp>
+        <p:nvSpPr>
+          <p:cNvPr id="3" name="内容占位符 2"/>
+          <p:cNvSpPr>
+            <a:spLocks noGrp="1"/>
+          </p:cNvSpPr>
+          <p:nvPr>
+            <p:ph idx="1"/>
+          </p:nvPr>
+        </p:nvSpPr>
+        <p:spPr/>
+        <p:txBody>
+          <a:bodyPr/>
+          <a:lstStyle/>
+          <a:p>
+            <a:endParaRPr lang="zh-CN" altLang="en-US" dirty="0"/>
+          </a:p>
+        </p:txBody>
+      </p:sp>
+    </p:spTree>
+  </p:cSld>
+  <p:clrMapOvr>
+    <a:masterClrMapping/>
+  </p:clrMapOvr>
+</p:sld>
+</file>
+
+<file path=ppt/slides/slide9.xml><?xml version="1.0" encoding="utf-8"?>
+<p:sld xmlns:a="http://schemas.openxmlformats.org/drawingml/2006/main" xmlns:r="http://schemas.openxmlformats.org/officeDocument/2006/relationships" xmlns:p="http://schemas.openxmlformats.org/presentationml/2006/main">
+  <p:cSld>
+    <p:spTree>
+      <p:nvGrpSpPr>
+        <p:cNvPr id="1" name=""/>
+        <p:cNvGrpSpPr/>
+        <p:nvPr/>
+      </p:nvGrpSpPr>
+      <p:grpSpPr>
+        <a:xfrm>
+          <a:off x="0" y="0"/>
+          <a:ext cx="0" cy="0"/>
+          <a:chOff x="0" y="0"/>
+          <a:chExt cx="0" cy="0"/>
+        </a:xfrm>
+      </p:grpSpPr>
+      <p:sp>
+        <p:nvSpPr>
+          <p:cNvPr id="2" name="标题 1"/>
+          <p:cNvSpPr>
+            <a:spLocks noGrp="1"/>
+          </p:cNvSpPr>
+          <p:nvPr>
+            <p:ph type="title"/>
+          </p:nvPr>
+        </p:nvSpPr>
+        <p:spPr/>
+        <p:txBody>
+          <a:bodyPr/>
+          <a:lstStyle/>
+          <a:p>
+            <a:endParaRPr lang="zh-CN" altLang="en-US" dirty="0"/>
+          </a:p>
+        </p:txBody>
+      </p:sp>
+      <p:sp>
+        <p:nvSpPr>
+          <p:cNvPr id="3" name="内容占位符 2"/>
+          <p:cNvSpPr>
+            <a:spLocks noGrp="1"/>
+          </p:cNvSpPr>
+          <p:nvPr>
+            <p:ph idx="1"/>
+          </p:nvPr>
+        </p:nvSpPr>
+        <p:spPr/>
+        <p:txBody>
+          <a:bodyPr/>
+          <a:lstStyle/>
+          <a:p>
             <a:endParaRPr lang="zh-CN" altLang="en-US" dirty="0"/>
           </a:p>
         </p:txBody>
